--- a/Part 3 - Logic Development/Flowchart.pptx
+++ b/Part 3 - Logic Development/Flowchart.pptx
@@ -6830,6 +6830,52 @@
           <a:p>
             <a:pPr algn="l"/>
             <a:endParaRPr lang="en-PH" dirty="0"/>
+          </a:p>
+          <a:p>
+            <a:pPr algn="l"/>
+            <a:r>
+              <a:rPr lang="en-PH" dirty="0"/>
+              <a:t>In cooking, the algorithm to make a certain dish is called a </a:t>
+            </a:r>
+            <a:r>
+              <a:rPr lang="en-PH" b="1" dirty="0">
+                <a:solidFill>
+                  <a:srgbClr val="7030A0"/>
+                </a:solidFill>
+              </a:rPr>
+              <a:t>recipe</a:t>
+            </a:r>
+            <a:r>
+              <a:rPr lang="en-PH" dirty="0"/>
+              <a:t>.</a:t>
+            </a:r>
+          </a:p>
+          <a:p>
+            <a:pPr algn="l"/>
+            <a:r>
+              <a:rPr lang="en-PH" dirty="0"/>
+              <a:t>When travelling, the algorithm to reach </a:t>
+            </a:r>
+            <a:r>
+              <a:rPr lang="en-PH"/>
+              <a:t>a destination is </a:t>
+            </a:r>
+            <a:r>
+              <a:rPr lang="en-PH" dirty="0"/>
+              <a:t>called a </a:t>
+            </a:r>
+            <a:r>
+              <a:rPr lang="en-PH" b="1" dirty="0">
+                <a:solidFill>
+                  <a:srgbClr val="7030A0"/>
+                </a:solidFill>
+              </a:rPr>
+              <a:t>route</a:t>
+            </a:r>
+            <a:r>
+              <a:rPr lang="en-PH" dirty="0"/>
+              <a:t>.</a:t>
+            </a:r>
           </a:p>
           <a:p>
             <a:pPr algn="l"/>

--- a/Part 3 - Logic Development/Flowchart.pptx
+++ b/Part 3 - Logic Development/Flowchart.pptx
@@ -213,7 +213,7 @@
           <a:p>
             <a:fld id="{F666E1FD-E7A0-497B-BBC0-740BAAC97C64}" type="datetimeFigureOut">
               <a:rPr lang="en-PH" smtClean="0"/>
-              <a:t>1/23/24</a:t>
+              <a:t>1/24/24</a:t>
             </a:fld>
             <a:endParaRPr lang="en-PH"/>
           </a:p>
@@ -481,6 +481,93 @@
 </p:notesMaster>
 </file>
 
+<file path=ppt/notesSlides/notesSlide1.xml><?xml version="1.0" encoding="utf-8"?>
+<p:notes xmlns:a="http://schemas.openxmlformats.org/drawingml/2006/main" xmlns:r="http://schemas.openxmlformats.org/officeDocument/2006/relationships" xmlns:p="http://schemas.openxmlformats.org/presentationml/2006/main">
+  <p:cSld>
+    <p:spTree>
+      <p:nvGrpSpPr>
+        <p:cNvPr id="1" name=""/>
+        <p:cNvGrpSpPr/>
+        <p:nvPr/>
+      </p:nvGrpSpPr>
+      <p:grpSpPr>
+        <a:xfrm>
+          <a:off x="0" y="0"/>
+          <a:ext cx="0" cy="0"/>
+          <a:chOff x="0" y="0"/>
+          <a:chExt cx="0" cy="0"/>
+        </a:xfrm>
+      </p:grpSpPr>
+      <p:sp>
+        <p:nvSpPr>
+          <p:cNvPr id="2" name="Slide Image Placeholder 1"/>
+          <p:cNvSpPr>
+            <a:spLocks noGrp="1" noRot="1" noChangeAspect="1"/>
+          </p:cNvSpPr>
+          <p:nvPr>
+            <p:ph type="sldImg"/>
+          </p:nvPr>
+        </p:nvSpPr>
+        <p:spPr/>
+      </p:sp>
+      <p:sp>
+        <p:nvSpPr>
+          <p:cNvPr id="3" name="Notes Placeholder 2"/>
+          <p:cNvSpPr>
+            <a:spLocks noGrp="1"/>
+          </p:cNvSpPr>
+          <p:nvPr>
+            <p:ph type="body" idx="1"/>
+          </p:nvPr>
+        </p:nvSpPr>
+        <p:spPr/>
+        <p:txBody>
+          <a:bodyPr/>
+          <a:lstStyle/>
+          <a:p>
+            <a:r>
+              <a:rPr lang="en-US" dirty="0"/>
+              <a:t>When you try to code a program, especially a complicated program. It is really helpful to organize your thoughts, organize the process, organize the pattern of how you are going to get the outcome that you want.</a:t>
+            </a:r>
+          </a:p>
+        </p:txBody>
+      </p:sp>
+      <p:sp>
+        <p:nvSpPr>
+          <p:cNvPr id="4" name="Slide Number Placeholder 3"/>
+          <p:cNvSpPr>
+            <a:spLocks noGrp="1"/>
+          </p:cNvSpPr>
+          <p:nvPr>
+            <p:ph type="sldNum" sz="quarter" idx="5"/>
+          </p:nvPr>
+        </p:nvSpPr>
+        <p:spPr/>
+        <p:txBody>
+          <a:bodyPr/>
+          <a:lstStyle/>
+          <a:p>
+            <a:fld id="{FE90CCE9-4AAE-4E1F-85AD-521A406D6524}" type="slidenum">
+              <a:rPr lang="en-PH" smtClean="0"/>
+              <a:t>2</a:t>
+            </a:fld>
+            <a:endParaRPr lang="en-PH"/>
+          </a:p>
+        </p:txBody>
+      </p:sp>
+    </p:spTree>
+    <p:extLst>
+      <p:ext uri="{BB962C8B-B14F-4D97-AF65-F5344CB8AC3E}">
+        <p14:creationId xmlns:p14="http://schemas.microsoft.com/office/powerpoint/2010/main" val="3040912987"/>
+      </p:ext>
+    </p:extLst>
+  </p:cSld>
+  <p:clrMapOvr>
+    <a:masterClrMapping/>
+  </p:clrMapOvr>
+</p:notes>
+</file>
+
 <file path=ppt/slideLayouts/slideLayout1.xml><?xml version="1.0" encoding="utf-8"?>
 <p:sldLayout xmlns:a="http://schemas.openxmlformats.org/drawingml/2006/main" xmlns:r="http://schemas.openxmlformats.org/officeDocument/2006/relationships" xmlns:p="http://schemas.openxmlformats.org/presentationml/2006/main" type="title" preserve="1">
   <p:cSld name="Title Slide">
@@ -630,7 +717,7 @@
           <a:p>
             <a:fld id="{0CCF0B81-6BD8-4C65-9459-815598C5F1F4}" type="datetimeFigureOut">
               <a:rPr lang="en-PH" smtClean="0"/>
-              <a:t>1/23/24</a:t>
+              <a:t>1/24/24</a:t>
             </a:fld>
             <a:endParaRPr lang="en-PH"/>
           </a:p>
@@ -830,7 +917,7 @@
           <a:p>
             <a:fld id="{0CCF0B81-6BD8-4C65-9459-815598C5F1F4}" type="datetimeFigureOut">
               <a:rPr lang="en-PH" smtClean="0"/>
-              <a:t>1/23/24</a:t>
+              <a:t>1/24/24</a:t>
             </a:fld>
             <a:endParaRPr lang="en-PH"/>
           </a:p>
@@ -1040,7 +1127,7 @@
           <a:p>
             <a:fld id="{0CCF0B81-6BD8-4C65-9459-815598C5F1F4}" type="datetimeFigureOut">
               <a:rPr lang="en-PH" smtClean="0"/>
-              <a:t>1/23/24</a:t>
+              <a:t>1/24/24</a:t>
             </a:fld>
             <a:endParaRPr lang="en-PH"/>
           </a:p>
@@ -1240,7 +1327,7 @@
           <a:p>
             <a:fld id="{0CCF0B81-6BD8-4C65-9459-815598C5F1F4}" type="datetimeFigureOut">
               <a:rPr lang="en-PH" smtClean="0"/>
-              <a:t>1/23/24</a:t>
+              <a:t>1/24/24</a:t>
             </a:fld>
             <a:endParaRPr lang="en-PH"/>
           </a:p>
@@ -1516,7 +1603,7 @@
           <a:p>
             <a:fld id="{0CCF0B81-6BD8-4C65-9459-815598C5F1F4}" type="datetimeFigureOut">
               <a:rPr lang="en-PH" smtClean="0"/>
-              <a:t>1/23/24</a:t>
+              <a:t>1/24/24</a:t>
             </a:fld>
             <a:endParaRPr lang="en-PH"/>
           </a:p>
@@ -1784,7 +1871,7 @@
           <a:p>
             <a:fld id="{0CCF0B81-6BD8-4C65-9459-815598C5F1F4}" type="datetimeFigureOut">
               <a:rPr lang="en-PH" smtClean="0"/>
-              <a:t>1/23/24</a:t>
+              <a:t>1/24/24</a:t>
             </a:fld>
             <a:endParaRPr lang="en-PH"/>
           </a:p>
@@ -2199,7 +2286,7 @@
           <a:p>
             <a:fld id="{0CCF0B81-6BD8-4C65-9459-815598C5F1F4}" type="datetimeFigureOut">
               <a:rPr lang="en-PH" smtClean="0"/>
-              <a:t>1/23/24</a:t>
+              <a:t>1/24/24</a:t>
             </a:fld>
             <a:endParaRPr lang="en-PH"/>
           </a:p>
@@ -2341,7 +2428,7 @@
           <a:p>
             <a:fld id="{0CCF0B81-6BD8-4C65-9459-815598C5F1F4}" type="datetimeFigureOut">
               <a:rPr lang="en-PH" smtClean="0"/>
-              <a:t>1/23/24</a:t>
+              <a:t>1/24/24</a:t>
             </a:fld>
             <a:endParaRPr lang="en-PH"/>
           </a:p>
@@ -2454,7 +2541,7 @@
           <a:p>
             <a:fld id="{0CCF0B81-6BD8-4C65-9459-815598C5F1F4}" type="datetimeFigureOut">
               <a:rPr lang="en-PH" smtClean="0"/>
-              <a:t>1/23/24</a:t>
+              <a:t>1/24/24</a:t>
             </a:fld>
             <a:endParaRPr lang="en-PH"/>
           </a:p>
@@ -2767,7 +2854,7 @@
           <a:p>
             <a:fld id="{0CCF0B81-6BD8-4C65-9459-815598C5F1F4}" type="datetimeFigureOut">
               <a:rPr lang="en-PH" smtClean="0"/>
-              <a:t>1/23/24</a:t>
+              <a:t>1/24/24</a:t>
             </a:fld>
             <a:endParaRPr lang="en-PH"/>
           </a:p>
@@ -3056,7 +3143,7 @@
           <a:p>
             <a:fld id="{0CCF0B81-6BD8-4C65-9459-815598C5F1F4}" type="datetimeFigureOut">
               <a:rPr lang="en-PH" smtClean="0"/>
-              <a:t>1/23/24</a:t>
+              <a:t>1/24/24</a:t>
             </a:fld>
             <a:endParaRPr lang="en-PH"/>
           </a:p>
@@ -3299,7 +3386,7 @@
           <a:p>
             <a:fld id="{0CCF0B81-6BD8-4C65-9459-815598C5F1F4}" type="datetimeFigureOut">
               <a:rPr lang="en-PH" smtClean="0"/>
-              <a:t>1/23/24</a:t>
+              <a:t>1/24/24</a:t>
             </a:fld>
             <a:endParaRPr lang="en-PH"/>
           </a:p>
@@ -3894,7 +3981,7 @@
     <p:bg>
       <p:bgPr>
         <a:blipFill dpi="0" rotWithShape="1">
-          <a:blip r:embed="rId2">
+          <a:blip r:embed="rId3">
             <a:alphaModFix amt="99000"/>
             <a:lum/>
           </a:blip>
@@ -5765,7 +5852,10 @@
           <a:lstStyle/>
           <a:p>
             <a:pPr algn="ctr"/>
-            <a:endParaRPr lang="en-US" sz="1500" dirty="0"/>
+            <a:r>
+              <a:rPr lang="en-US" sz="1500" dirty="0"/>
+              <a:t>Rounded Rectangle</a:t>
+            </a:r>
           </a:p>
         </p:txBody>
       </p:sp>
@@ -5783,8 +5873,8 @@
         </p:nvSpPr>
         <p:spPr>
           <a:xfrm>
-            <a:off x="1896713" y="4314764"/>
-            <a:ext cx="761568" cy="752315"/>
+            <a:off x="1632342" y="4314764"/>
+            <a:ext cx="1025939" cy="752315"/>
           </a:xfrm>
           <a:prstGeom prst="rect">
             <a:avLst/>
@@ -5809,7 +5899,10 @@
           <a:lstStyle/>
           <a:p>
             <a:pPr algn="ctr"/>
-            <a:endParaRPr lang="en-US" sz="1500" dirty="0"/>
+            <a:r>
+              <a:rPr lang="en-US" sz="1500" dirty="0"/>
+              <a:t>Rectangle</a:t>
+            </a:r>
           </a:p>
         </p:txBody>
       </p:sp>
@@ -5827,8 +5920,8 @@
         </p:nvSpPr>
         <p:spPr>
           <a:xfrm>
-            <a:off x="1752780" y="5194078"/>
-            <a:ext cx="1098947" cy="880531"/>
+            <a:off x="1468701" y="5239382"/>
+            <a:ext cx="1639615" cy="880531"/>
           </a:xfrm>
           <a:prstGeom prst="diamond">
             <a:avLst/>
@@ -5853,7 +5946,10 @@
           <a:lstStyle/>
           <a:p>
             <a:pPr algn="ctr"/>
-            <a:endParaRPr lang="en-US" sz="1300" dirty="0"/>
+            <a:r>
+              <a:rPr lang="en-US" sz="1300" dirty="0"/>
+              <a:t>Rhombus</a:t>
+            </a:r>
           </a:p>
         </p:txBody>
       </p:sp>
@@ -5871,8 +5967,8 @@
         </p:nvSpPr>
         <p:spPr>
           <a:xfrm>
-            <a:off x="1835759" y="3317003"/>
-            <a:ext cx="905501" cy="752315"/>
+            <a:off x="1344992" y="3308054"/>
+            <a:ext cx="1887034" cy="752315"/>
           </a:xfrm>
           <a:prstGeom prst="flowChartInputOutput">
             <a:avLst/>
@@ -5897,7 +5993,10 @@
           <a:lstStyle/>
           <a:p>
             <a:pPr algn="ctr"/>
-            <a:endParaRPr lang="en-US" sz="1300" dirty="0"/>
+            <a:r>
+              <a:rPr lang="en-US" sz="1300" dirty="0"/>
+              <a:t>Parallelogram</a:t>
+            </a:r>
           </a:p>
         </p:txBody>
       </p:sp>
